--- a/20% Presentation.pptx
+++ b/20% Presentation.pptx
@@ -10,6 +10,7 @@
     <p:sldId id="260" r:id="rId4"/>
     <p:sldId id="258" r:id="rId5"/>
     <p:sldId id="259" r:id="rId6"/>
+    <p:sldId id="261" r:id="rId7"/>
   </p:sldIdLst>
   <p:sldSz cx="12192000" cy="6858000"/>
   <p:notesSz cx="6858000" cy="9144000"/>
@@ -247,7 +248,7 @@
           <a:p>
             <a:fld id="{EC285AF1-502C-4AB5-A1D9-46D249AF8634}" type="datetimeFigureOut">
               <a:rPr lang="en-US" smtClean="0"/>
-              <a:t>5/15/2015</a:t>
+              <a:t>5/17/2015</a:t>
             </a:fld>
             <a:endParaRPr lang="en-US"/>
           </a:p>
@@ -417,7 +418,7 @@
           <a:p>
             <a:fld id="{EC285AF1-502C-4AB5-A1D9-46D249AF8634}" type="datetimeFigureOut">
               <a:rPr lang="en-US" smtClean="0"/>
-              <a:t>5/15/2015</a:t>
+              <a:t>5/17/2015</a:t>
             </a:fld>
             <a:endParaRPr lang="en-US"/>
           </a:p>
@@ -597,7 +598,7 @@
           <a:p>
             <a:fld id="{EC285AF1-502C-4AB5-A1D9-46D249AF8634}" type="datetimeFigureOut">
               <a:rPr lang="en-US" smtClean="0"/>
-              <a:t>5/15/2015</a:t>
+              <a:t>5/17/2015</a:t>
             </a:fld>
             <a:endParaRPr lang="en-US"/>
           </a:p>
@@ -767,7 +768,7 @@
           <a:p>
             <a:fld id="{EC285AF1-502C-4AB5-A1D9-46D249AF8634}" type="datetimeFigureOut">
               <a:rPr lang="en-US" smtClean="0"/>
-              <a:t>5/15/2015</a:t>
+              <a:t>5/17/2015</a:t>
             </a:fld>
             <a:endParaRPr lang="en-US"/>
           </a:p>
@@ -1013,7 +1014,7 @@
           <a:p>
             <a:fld id="{EC285AF1-502C-4AB5-A1D9-46D249AF8634}" type="datetimeFigureOut">
               <a:rPr lang="en-US" smtClean="0"/>
-              <a:t>5/15/2015</a:t>
+              <a:t>5/17/2015</a:t>
             </a:fld>
             <a:endParaRPr lang="en-US"/>
           </a:p>
@@ -1245,7 +1246,7 @@
           <a:p>
             <a:fld id="{EC285AF1-502C-4AB5-A1D9-46D249AF8634}" type="datetimeFigureOut">
               <a:rPr lang="en-US" smtClean="0"/>
-              <a:t>5/15/2015</a:t>
+              <a:t>5/17/2015</a:t>
             </a:fld>
             <a:endParaRPr lang="en-US"/>
           </a:p>
@@ -1612,7 +1613,7 @@
           <a:p>
             <a:fld id="{EC285AF1-502C-4AB5-A1D9-46D249AF8634}" type="datetimeFigureOut">
               <a:rPr lang="en-US" smtClean="0"/>
-              <a:t>5/15/2015</a:t>
+              <a:t>5/17/2015</a:t>
             </a:fld>
             <a:endParaRPr lang="en-US"/>
           </a:p>
@@ -1730,7 +1731,7 @@
           <a:p>
             <a:fld id="{EC285AF1-502C-4AB5-A1D9-46D249AF8634}" type="datetimeFigureOut">
               <a:rPr lang="en-US" smtClean="0"/>
-              <a:t>5/15/2015</a:t>
+              <a:t>5/17/2015</a:t>
             </a:fld>
             <a:endParaRPr lang="en-US"/>
           </a:p>
@@ -1825,7 +1826,7 @@
           <a:p>
             <a:fld id="{EC285AF1-502C-4AB5-A1D9-46D249AF8634}" type="datetimeFigureOut">
               <a:rPr lang="en-US" smtClean="0"/>
-              <a:t>5/15/2015</a:t>
+              <a:t>5/17/2015</a:t>
             </a:fld>
             <a:endParaRPr lang="en-US"/>
           </a:p>
@@ -2102,7 +2103,7 @@
           <a:p>
             <a:fld id="{EC285AF1-502C-4AB5-A1D9-46D249AF8634}" type="datetimeFigureOut">
               <a:rPr lang="en-US" smtClean="0"/>
-              <a:t>5/15/2015</a:t>
+              <a:t>5/17/2015</a:t>
             </a:fld>
             <a:endParaRPr lang="en-US"/>
           </a:p>
@@ -2355,7 +2356,7 @@
           <a:p>
             <a:fld id="{EC285AF1-502C-4AB5-A1D9-46D249AF8634}" type="datetimeFigureOut">
               <a:rPr lang="en-US" smtClean="0"/>
-              <a:t>5/15/2015</a:t>
+              <a:t>5/17/2015</a:t>
             </a:fld>
             <a:endParaRPr lang="en-US"/>
           </a:p>
@@ -2577,7 +2578,7 @@
           <a:p>
             <a:fld id="{EC285AF1-502C-4AB5-A1D9-46D249AF8634}" type="datetimeFigureOut">
               <a:rPr lang="en-US" smtClean="0"/>
-              <a:t>5/15/2015</a:t>
+              <a:t>5/17/2015</a:t>
             </a:fld>
             <a:endParaRPr lang="en-US"/>
           </a:p>
@@ -3557,7 +3558,7 @@
                 <a:ea typeface="Dotum" panose="020B0600000101010101" pitchFamily="34" charset="-127"/>
                 <a:cs typeface="Rod" panose="02030509050101010101" pitchFamily="49" charset="-79"/>
               </a:rPr>
-              <a:t>The Game</a:t>
+              <a:t>Overview</a:t>
             </a:r>
             <a:endParaRPr lang="en-US" b="1" dirty="0">
               <a:solidFill>
@@ -3597,7 +3598,156 @@
           <a:bodyPr/>
           <a:lstStyle/>
           <a:p>
-            <a:endParaRPr lang="en-US" dirty="0">
+            <a:r>
+              <a:rPr lang="en-US" dirty="0" smtClean="0">
+                <a:solidFill>
+                  <a:srgbClr val="8FFFCA"/>
+                </a:solidFill>
+                <a:effectLst>
+                  <a:glow rad="139700">
+                    <a:srgbClr val="003300">
+                      <a:alpha val="40000"/>
+                    </a:srgbClr>
+                  </a:glow>
+                  <a:outerShdw blurRad="38100" dist="38100" dir="2700000" algn="tl">
+                    <a:srgbClr val="000000">
+                      <a:alpha val="43137"/>
+                    </a:srgbClr>
+                  </a:outerShdw>
+                </a:effectLst>
+                <a:latin typeface="Corbel" panose="020B0503020204020204" pitchFamily="34" charset="0"/>
+              </a:rPr>
+              <a:t>Flash game</a:t>
+            </a:r>
+          </a:p>
+          <a:p>
+            <a:r>
+              <a:rPr lang="en-US" dirty="0" smtClean="0">
+                <a:solidFill>
+                  <a:srgbClr val="8FFFCA"/>
+                </a:solidFill>
+                <a:effectLst>
+                  <a:glow rad="139700">
+                    <a:srgbClr val="003300">
+                      <a:alpha val="40000"/>
+                    </a:srgbClr>
+                  </a:glow>
+                  <a:outerShdw blurRad="38100" dist="38100" dir="2700000" algn="tl">
+                    <a:srgbClr val="000000">
+                      <a:alpha val="43137"/>
+                    </a:srgbClr>
+                  </a:outerShdw>
+                </a:effectLst>
+                <a:latin typeface="Corbel" panose="020B0503020204020204" pitchFamily="34" charset="0"/>
+              </a:rPr>
+              <a:t>Utilizes Flash &amp; </a:t>
+            </a:r>
+            <a:r>
+              <a:rPr lang="en-US" dirty="0" err="1" smtClean="0">
+                <a:solidFill>
+                  <a:srgbClr val="8FFFCA"/>
+                </a:solidFill>
+                <a:effectLst>
+                  <a:glow rad="139700">
+                    <a:srgbClr val="003300">
+                      <a:alpha val="40000"/>
+                    </a:srgbClr>
+                  </a:glow>
+                  <a:outerShdw blurRad="38100" dist="38100" dir="2700000" algn="tl">
+                    <a:srgbClr val="000000">
+                      <a:alpha val="43137"/>
+                    </a:srgbClr>
+                  </a:outerShdw>
+                </a:effectLst>
+                <a:latin typeface="Corbel" panose="020B0503020204020204" pitchFamily="34" charset="0"/>
+              </a:rPr>
+              <a:t>Actionscript</a:t>
+            </a:r>
+            <a:r>
+              <a:rPr lang="en-US" dirty="0" smtClean="0">
+                <a:solidFill>
+                  <a:srgbClr val="8FFFCA"/>
+                </a:solidFill>
+                <a:effectLst>
+                  <a:glow rad="139700">
+                    <a:srgbClr val="003300">
+                      <a:alpha val="40000"/>
+                    </a:srgbClr>
+                  </a:glow>
+                  <a:outerShdw blurRad="38100" dist="38100" dir="2700000" algn="tl">
+                    <a:srgbClr val="000000">
+                      <a:alpha val="43137"/>
+                    </a:srgbClr>
+                  </a:outerShdw>
+                </a:effectLst>
+                <a:latin typeface="Corbel" panose="020B0503020204020204" pitchFamily="34" charset="0"/>
+              </a:rPr>
+              <a:t> 3, and </a:t>
+            </a:r>
+            <a:r>
+              <a:rPr lang="en-US" dirty="0" err="1" smtClean="0">
+                <a:solidFill>
+                  <a:srgbClr val="8FFFCA"/>
+                </a:solidFill>
+                <a:effectLst>
+                  <a:glow rad="139700">
+                    <a:srgbClr val="003300">
+                      <a:alpha val="40000"/>
+                    </a:srgbClr>
+                  </a:glow>
+                  <a:outerShdw blurRad="38100" dist="38100" dir="2700000" algn="tl">
+                    <a:srgbClr val="000000">
+                      <a:alpha val="43137"/>
+                    </a:srgbClr>
+                  </a:outerShdw>
+                </a:effectLst>
+                <a:latin typeface="Corbel" panose="020B0503020204020204" pitchFamily="34" charset="0"/>
+              </a:rPr>
+              <a:t>Flixel</a:t>
+            </a:r>
+            <a:r>
+              <a:rPr lang="en-US" dirty="0" smtClean="0">
+                <a:solidFill>
+                  <a:srgbClr val="8FFFCA"/>
+                </a:solidFill>
+                <a:effectLst>
+                  <a:glow rad="139700">
+                    <a:srgbClr val="003300">
+                      <a:alpha val="40000"/>
+                    </a:srgbClr>
+                  </a:glow>
+                  <a:outerShdw blurRad="38100" dist="38100" dir="2700000" algn="tl">
+                    <a:srgbClr val="000000">
+                      <a:alpha val="43137"/>
+                    </a:srgbClr>
+                  </a:outerShdw>
+                </a:effectLst>
+                <a:latin typeface="Corbel" panose="020B0503020204020204" pitchFamily="34" charset="0"/>
+              </a:rPr>
+              <a:t> </a:t>
+            </a:r>
+            <a:r>
+              <a:rPr lang="en-US" dirty="0" err="1" smtClean="0">
+                <a:solidFill>
+                  <a:srgbClr val="8FFFCA"/>
+                </a:solidFill>
+                <a:effectLst>
+                  <a:glow rad="139700">
+                    <a:srgbClr val="003300">
+                      <a:alpha val="40000"/>
+                    </a:srgbClr>
+                  </a:glow>
+                  <a:outerShdw blurRad="38100" dist="38100" dir="2700000" algn="tl">
+                    <a:srgbClr val="000000">
+                      <a:alpha val="43137"/>
+                    </a:srgbClr>
+                  </a:outerShdw>
+                </a:effectLst>
+                <a:latin typeface="Corbel" panose="020B0503020204020204" pitchFamily="34" charset="0"/>
+              </a:rPr>
+              <a:t>lybraries</a:t>
+            </a:r>
+            <a:endParaRPr lang="en-US" dirty="0" smtClean="0">
               <a:solidFill>
                 <a:srgbClr val="8FFFCA"/>
               </a:solidFill>
@@ -3615,6 +3765,96 @@
               </a:effectLst>
               <a:latin typeface="Corbel" panose="020B0503020204020204" pitchFamily="34" charset="0"/>
             </a:endParaRPr>
+          </a:p>
+          <a:p>
+            <a:r>
+              <a:rPr lang="en-US" dirty="0" smtClean="0">
+                <a:solidFill>
+                  <a:srgbClr val="8FFFCA"/>
+                </a:solidFill>
+                <a:effectLst>
+                  <a:glow rad="139700">
+                    <a:srgbClr val="003300">
+                      <a:alpha val="40000"/>
+                    </a:srgbClr>
+                  </a:glow>
+                  <a:outerShdw blurRad="38100" dist="38100" dir="2700000" algn="tl">
+                    <a:srgbClr val="000000">
+                      <a:alpha val="43137"/>
+                    </a:srgbClr>
+                  </a:outerShdw>
+                </a:effectLst>
+                <a:latin typeface="Corbel" panose="020B0503020204020204" pitchFamily="34" charset="0"/>
+              </a:rPr>
+              <a:t>Platformer</a:t>
+            </a:r>
+          </a:p>
+          <a:p>
+            <a:r>
+              <a:rPr lang="en-US" dirty="0" smtClean="0">
+                <a:solidFill>
+                  <a:srgbClr val="8FFFCA"/>
+                </a:solidFill>
+                <a:effectLst>
+                  <a:glow rad="139700">
+                    <a:srgbClr val="003300">
+                      <a:alpha val="40000"/>
+                    </a:srgbClr>
+                  </a:glow>
+                  <a:outerShdw blurRad="38100" dist="38100" dir="2700000" algn="tl">
+                    <a:srgbClr val="000000">
+                      <a:alpha val="43137"/>
+                    </a:srgbClr>
+                  </a:outerShdw>
+                </a:effectLst>
+                <a:latin typeface="Corbel" panose="020B0503020204020204" pitchFamily="34" charset="0"/>
+              </a:rPr>
+              <a:t>Player vs Computer </a:t>
+            </a:r>
+          </a:p>
+          <a:p>
+            <a:r>
+              <a:rPr lang="en-US" dirty="0" smtClean="0">
+                <a:solidFill>
+                  <a:srgbClr val="8FFFCA"/>
+                </a:solidFill>
+                <a:effectLst>
+                  <a:glow rad="139700">
+                    <a:srgbClr val="003300">
+                      <a:alpha val="40000"/>
+                    </a:srgbClr>
+                  </a:glow>
+                  <a:outerShdw blurRad="38100" dist="38100" dir="2700000" algn="tl">
+                    <a:srgbClr val="000000">
+                      <a:alpha val="43137"/>
+                    </a:srgbClr>
+                  </a:outerShdw>
+                </a:effectLst>
+                <a:latin typeface="Corbel" panose="020B0503020204020204" pitchFamily="34" charset="0"/>
+              </a:rPr>
+              <a:t>Multi-</a:t>
+            </a:r>
+            <a:r>
+              <a:rPr lang="en-US" dirty="0" smtClean="0">
+                <a:solidFill>
+                  <a:srgbClr val="8FFFCA"/>
+                </a:solidFill>
+                <a:effectLst>
+                  <a:glow rad="139700">
+                    <a:srgbClr val="003300">
+                      <a:alpha val="40000"/>
+                    </a:srgbClr>
+                  </a:glow>
+                  <a:outerShdw blurRad="38100" dist="38100" dir="2700000" algn="tl">
+                    <a:srgbClr val="000000">
+                      <a:alpha val="43137"/>
+                    </a:srgbClr>
+                  </a:outerShdw>
+                </a:effectLst>
+                <a:latin typeface="Corbel" panose="020B0503020204020204" pitchFamily="34" charset="0"/>
+              </a:rPr>
+              <a:t>level</a:t>
+            </a:r>
           </a:p>
         </p:txBody>
       </p:sp>
@@ -3690,29 +3930,6 @@
           <a:lstStyle/>
           <a:p>
             <a:r>
-              <a:rPr lang="en-US" b="1" dirty="0" err="1" smtClean="0">
-                <a:solidFill>
-                  <a:srgbClr val="5EFEA6"/>
-                </a:solidFill>
-                <a:effectLst>
-                  <a:glow rad="101600">
-                    <a:srgbClr val="003300">
-                      <a:alpha val="60000"/>
-                    </a:srgbClr>
-                  </a:glow>
-                  <a:outerShdw blurRad="38100" dist="38100" dir="2700000" algn="tl">
-                    <a:srgbClr val="000000">
-                      <a:alpha val="43137"/>
-                    </a:srgbClr>
-                  </a:outerShdw>
-                </a:effectLst>
-                <a:latin typeface="Rod" panose="02030509050101010101" pitchFamily="49" charset="-79"/>
-                <a:ea typeface="Dotum" panose="020B0600000101010101" pitchFamily="34" charset="-127"/>
-                <a:cs typeface="Rod" panose="02030509050101010101" pitchFamily="49" charset="-79"/>
-              </a:rPr>
-              <a:t>Playthroughs</a:t>
-            </a:r>
-            <a:r>
               <a:rPr lang="en-US" b="1" dirty="0" smtClean="0">
                 <a:solidFill>
                   <a:srgbClr val="5EFEA6"/>
@@ -3733,7 +3950,7 @@
                 <a:ea typeface="Dotum" panose="020B0600000101010101" pitchFamily="34" charset="-127"/>
                 <a:cs typeface="Rod" panose="02030509050101010101" pitchFamily="49" charset="-79"/>
               </a:rPr>
-              <a:t> &amp; Demo</a:t>
+              <a:t>Demo</a:t>
             </a:r>
             <a:endParaRPr lang="en-US" b="1" dirty="0">
               <a:solidFill>
@@ -3930,6 +4147,288 @@
           </a:bodyPr>
           <a:lstStyle/>
           <a:p>
+            <a:r>
+              <a:rPr lang="en-US" dirty="0" err="1" smtClean="0">
+                <a:solidFill>
+                  <a:srgbClr val="8FFFCA"/>
+                </a:solidFill>
+                <a:effectLst>
+                  <a:glow rad="139700">
+                    <a:srgbClr val="003300">
+                      <a:alpha val="40000"/>
+                    </a:srgbClr>
+                  </a:glow>
+                  <a:outerShdw blurRad="38100" dist="38100" dir="2700000" algn="tl">
+                    <a:srgbClr val="000000">
+                      <a:alpha val="43137"/>
+                    </a:srgbClr>
+                  </a:outerShdw>
+                </a:effectLst>
+                <a:latin typeface="Corbel" panose="020B0503020204020204" pitchFamily="34" charset="0"/>
+              </a:rPr>
+              <a:t>FlashDevelop</a:t>
+            </a:r>
+            <a:r>
+              <a:rPr lang="en-US" dirty="0" smtClean="0">
+                <a:solidFill>
+                  <a:srgbClr val="8FFFCA"/>
+                </a:solidFill>
+                <a:effectLst>
+                  <a:glow rad="139700">
+                    <a:srgbClr val="003300">
+                      <a:alpha val="40000"/>
+                    </a:srgbClr>
+                  </a:glow>
+                  <a:outerShdw blurRad="38100" dist="38100" dir="2700000" algn="tl">
+                    <a:srgbClr val="000000">
+                      <a:alpha val="43137"/>
+                    </a:srgbClr>
+                  </a:outerShdw>
+                </a:effectLst>
+                <a:latin typeface="Corbel" panose="020B0503020204020204" pitchFamily="34" charset="0"/>
+              </a:rPr>
+              <a:t> &amp; </a:t>
+            </a:r>
+            <a:r>
+              <a:rPr lang="en-US" dirty="0" err="1" smtClean="0">
+                <a:solidFill>
+                  <a:srgbClr val="8FFFCA"/>
+                </a:solidFill>
+                <a:effectLst>
+                  <a:glow rad="139700">
+                    <a:srgbClr val="003300">
+                      <a:alpha val="40000"/>
+                    </a:srgbClr>
+                  </a:glow>
+                  <a:outerShdw blurRad="38100" dist="38100" dir="2700000" algn="tl">
+                    <a:srgbClr val="000000">
+                      <a:alpha val="43137"/>
+                    </a:srgbClr>
+                  </a:outerShdw>
+                </a:effectLst>
+                <a:latin typeface="Corbel" panose="020B0503020204020204" pitchFamily="34" charset="0"/>
+              </a:rPr>
+              <a:t>Flixel</a:t>
+            </a:r>
+            <a:endParaRPr lang="en-US" dirty="0" smtClean="0">
+              <a:solidFill>
+                <a:srgbClr val="8FFFCA"/>
+              </a:solidFill>
+              <a:effectLst>
+                <a:glow rad="139700">
+                  <a:srgbClr val="003300">
+                    <a:alpha val="40000"/>
+                  </a:srgbClr>
+                </a:glow>
+                <a:outerShdw blurRad="38100" dist="38100" dir="2700000" algn="tl">
+                  <a:srgbClr val="000000">
+                    <a:alpha val="43137"/>
+                  </a:srgbClr>
+                </a:outerShdw>
+              </a:effectLst>
+              <a:latin typeface="Corbel" panose="020B0503020204020204" pitchFamily="34" charset="0"/>
+            </a:endParaRPr>
+          </a:p>
+          <a:p>
+            <a:r>
+              <a:rPr lang="en-US" dirty="0" smtClean="0">
+                <a:solidFill>
+                  <a:srgbClr val="8FFFCA"/>
+                </a:solidFill>
+                <a:effectLst>
+                  <a:glow rad="139700">
+                    <a:srgbClr val="003300">
+                      <a:alpha val="40000"/>
+                    </a:srgbClr>
+                  </a:glow>
+                  <a:outerShdw blurRad="38100" dist="38100" dir="2700000" algn="tl">
+                    <a:srgbClr val="000000">
+                      <a:alpha val="43137"/>
+                    </a:srgbClr>
+                  </a:outerShdw>
+                </a:effectLst>
+                <a:latin typeface="Corbel" panose="020B0503020204020204" pitchFamily="34" charset="0"/>
+              </a:rPr>
+              <a:t>Class hierarchy</a:t>
+            </a:r>
+          </a:p>
+          <a:p>
+            <a:r>
+              <a:rPr lang="en-US" dirty="0" err="1" smtClean="0">
+                <a:solidFill>
+                  <a:srgbClr val="8FFFCA"/>
+                </a:solidFill>
+                <a:effectLst>
+                  <a:glow rad="139700">
+                    <a:srgbClr val="003300">
+                      <a:alpha val="40000"/>
+                    </a:srgbClr>
+                  </a:glow>
+                  <a:outerShdw blurRad="38100" dist="38100" dir="2700000" algn="tl">
+                    <a:srgbClr val="000000">
+                      <a:alpha val="43137"/>
+                    </a:srgbClr>
+                  </a:outerShdw>
+                </a:effectLst>
+                <a:latin typeface="Corbel" panose="020B0503020204020204" pitchFamily="34" charset="0"/>
+              </a:rPr>
+              <a:t>Playstates</a:t>
+            </a:r>
+            <a:endParaRPr lang="en-US" dirty="0" smtClean="0">
+              <a:solidFill>
+                <a:srgbClr val="8FFFCA"/>
+              </a:solidFill>
+              <a:effectLst>
+                <a:glow rad="139700">
+                  <a:srgbClr val="003300">
+                    <a:alpha val="40000"/>
+                  </a:srgbClr>
+                </a:glow>
+                <a:outerShdw blurRad="38100" dist="38100" dir="2700000" algn="tl">
+                  <a:srgbClr val="000000">
+                    <a:alpha val="43137"/>
+                  </a:srgbClr>
+                </a:outerShdw>
+              </a:effectLst>
+              <a:latin typeface="Corbel" panose="020B0503020204020204" pitchFamily="34" charset="0"/>
+            </a:endParaRPr>
+          </a:p>
+          <a:p>
+            <a:r>
+              <a:rPr lang="en-US" dirty="0" smtClean="0">
+                <a:solidFill>
+                  <a:srgbClr val="8FFFCA"/>
+                </a:solidFill>
+                <a:effectLst>
+                  <a:glow rad="139700">
+                    <a:srgbClr val="003300">
+                      <a:alpha val="40000"/>
+                    </a:srgbClr>
+                  </a:glow>
+                  <a:outerShdw blurRad="38100" dist="38100" dir="2700000" algn="tl">
+                    <a:srgbClr val="000000">
+                      <a:alpha val="43137"/>
+                    </a:srgbClr>
+                  </a:outerShdw>
+                </a:effectLst>
+                <a:latin typeface="Corbel" panose="020B0503020204020204" pitchFamily="34" charset="0"/>
+              </a:rPr>
+              <a:t>Sprites</a:t>
+            </a:r>
+          </a:p>
+          <a:p>
+            <a:r>
+              <a:rPr lang="en-US" dirty="0" smtClean="0">
+                <a:solidFill>
+                  <a:srgbClr val="8FFFCA"/>
+                </a:solidFill>
+                <a:effectLst>
+                  <a:glow rad="139700">
+                    <a:srgbClr val="003300">
+                      <a:alpha val="40000"/>
+                    </a:srgbClr>
+                  </a:glow>
+                  <a:outerShdw blurRad="38100" dist="38100" dir="2700000" algn="tl">
+                    <a:srgbClr val="000000">
+                      <a:alpha val="43137"/>
+                    </a:srgbClr>
+                  </a:outerShdw>
+                </a:effectLst>
+                <a:latin typeface="Corbel" panose="020B0503020204020204" pitchFamily="34" charset="0"/>
+              </a:rPr>
+              <a:t>Bullets</a:t>
+            </a:r>
+          </a:p>
+          <a:p>
+            <a:r>
+              <a:rPr lang="en-US" dirty="0" smtClean="0">
+                <a:solidFill>
+                  <a:srgbClr val="8FFFCA"/>
+                </a:solidFill>
+                <a:effectLst>
+                  <a:glow rad="139700">
+                    <a:srgbClr val="003300">
+                      <a:alpha val="40000"/>
+                    </a:srgbClr>
+                  </a:glow>
+                  <a:outerShdw blurRad="38100" dist="38100" dir="2700000" algn="tl">
+                    <a:srgbClr val="000000">
+                      <a:alpha val="43137"/>
+                    </a:srgbClr>
+                  </a:outerShdw>
+                </a:effectLst>
+                <a:latin typeface="Corbel" panose="020B0503020204020204" pitchFamily="34" charset="0"/>
+              </a:rPr>
+              <a:t>Transitions, Win/Over/Start</a:t>
+            </a:r>
+          </a:p>
+          <a:p>
+            <a:r>
+              <a:rPr lang="en-US" dirty="0" smtClean="0">
+                <a:solidFill>
+                  <a:srgbClr val="8FFFCA"/>
+                </a:solidFill>
+                <a:effectLst>
+                  <a:glow rad="139700">
+                    <a:srgbClr val="003300">
+                      <a:alpha val="40000"/>
+                    </a:srgbClr>
+                  </a:glow>
+                  <a:outerShdw blurRad="38100" dist="38100" dir="2700000" algn="tl">
+                    <a:srgbClr val="000000">
+                      <a:alpha val="43137"/>
+                    </a:srgbClr>
+                  </a:outerShdw>
+                </a:effectLst>
+                <a:latin typeface="Corbel" panose="020B0503020204020204" pitchFamily="34" charset="0"/>
+              </a:rPr>
+              <a:t>Health &amp; Damage</a:t>
+            </a:r>
+          </a:p>
+          <a:p>
+            <a:r>
+              <a:rPr lang="en-US" dirty="0">
+                <a:solidFill>
+                  <a:srgbClr val="8FFFCA"/>
+                </a:solidFill>
+                <a:effectLst>
+                  <a:glow rad="139700">
+                    <a:srgbClr val="003300">
+                      <a:alpha val="40000"/>
+                    </a:srgbClr>
+                  </a:glow>
+                  <a:outerShdw blurRad="38100" dist="38100" dir="2700000" algn="tl">
+                    <a:srgbClr val="000000">
+                      <a:alpha val="43137"/>
+                    </a:srgbClr>
+                  </a:outerShdw>
+                </a:effectLst>
+                <a:latin typeface="Corbel" panose="020B0503020204020204" pitchFamily="34" charset="0"/>
+              </a:rPr>
+              <a:t>Menu</a:t>
+            </a:r>
+          </a:p>
+          <a:p>
+            <a:endParaRPr lang="en-US" dirty="0" smtClean="0">
+              <a:solidFill>
+                <a:srgbClr val="8FFFCA"/>
+              </a:solidFill>
+              <a:effectLst>
+                <a:glow rad="139700">
+                  <a:srgbClr val="003300">
+                    <a:alpha val="40000"/>
+                  </a:srgbClr>
+                </a:glow>
+                <a:outerShdw blurRad="38100" dist="38100" dir="2700000" algn="tl">
+                  <a:srgbClr val="000000">
+                    <a:alpha val="43137"/>
+                  </a:srgbClr>
+                </a:outerShdw>
+              </a:effectLst>
+              <a:latin typeface="Corbel" panose="020B0503020204020204" pitchFamily="34" charset="0"/>
+            </a:endParaRPr>
+          </a:p>
+          <a:p>
             <a:endParaRPr lang="en-US" dirty="0">
               <a:solidFill>
                 <a:srgbClr val="8FFFCA"/>
@@ -4085,24 +4584,165 @@
           </a:bodyPr>
           <a:lstStyle/>
           <a:p>
-            <a:endParaRPr lang="en-US" dirty="0">
-              <a:solidFill>
-                <a:srgbClr val="8FFFCA"/>
-              </a:solidFill>
-              <a:effectLst>
-                <a:glow rad="139700">
-                  <a:srgbClr val="003300">
-                    <a:alpha val="40000"/>
-                  </a:srgbClr>
-                </a:glow>
-                <a:outerShdw blurRad="38100" dist="38100" dir="2700000" algn="tl">
-                  <a:srgbClr val="000000">
-                    <a:alpha val="43137"/>
-                  </a:srgbClr>
-                </a:outerShdw>
-              </a:effectLst>
-              <a:latin typeface="Corbel" panose="020B0503020204020204" pitchFamily="34" charset="0"/>
-            </a:endParaRPr>
+            <a:r>
+              <a:rPr lang="en-US" dirty="0" smtClean="0">
+                <a:solidFill>
+                  <a:srgbClr val="8FFFCA"/>
+                </a:solidFill>
+                <a:effectLst>
+                  <a:glow rad="139700">
+                    <a:srgbClr val="003300">
+                      <a:alpha val="40000"/>
+                    </a:srgbClr>
+                  </a:glow>
+                  <a:outerShdw blurRad="38100" dist="38100" dir="2700000" algn="tl">
+                    <a:srgbClr val="000000">
+                      <a:alpha val="43137"/>
+                    </a:srgbClr>
+                  </a:outerShdw>
+                </a:effectLst>
+                <a:latin typeface="Corbel" panose="020B0503020204020204" pitchFamily="34" charset="0"/>
+              </a:rPr>
+              <a:t>Learning languages</a:t>
+            </a:r>
+          </a:p>
+          <a:p>
+            <a:r>
+              <a:rPr lang="en-US" dirty="0" smtClean="0">
+                <a:solidFill>
+                  <a:srgbClr val="8FFFCA"/>
+                </a:solidFill>
+                <a:effectLst>
+                  <a:glow rad="139700">
+                    <a:srgbClr val="003300">
+                      <a:alpha val="40000"/>
+                    </a:srgbClr>
+                  </a:glow>
+                  <a:outerShdw blurRad="38100" dist="38100" dir="2700000" algn="tl">
+                    <a:srgbClr val="000000">
+                      <a:alpha val="43137"/>
+                    </a:srgbClr>
+                  </a:outerShdw>
+                </a:effectLst>
+                <a:latin typeface="Corbel" panose="020B0503020204020204" pitchFamily="34" charset="0"/>
+              </a:rPr>
+              <a:t>First compile</a:t>
+            </a:r>
+          </a:p>
+          <a:p>
+            <a:r>
+              <a:rPr lang="en-US" dirty="0" smtClean="0">
+                <a:solidFill>
+                  <a:srgbClr val="8FFFCA"/>
+                </a:solidFill>
+                <a:effectLst>
+                  <a:glow rad="139700">
+                    <a:srgbClr val="003300">
+                      <a:alpha val="40000"/>
+                    </a:srgbClr>
+                  </a:glow>
+                  <a:outerShdw blurRad="38100" dist="38100" dir="2700000" algn="tl">
+                    <a:srgbClr val="000000">
+                      <a:alpha val="43137"/>
+                    </a:srgbClr>
+                  </a:outerShdw>
+                </a:effectLst>
+                <a:latin typeface="Corbel" panose="020B0503020204020204" pitchFamily="34" charset="0"/>
+              </a:rPr>
+              <a:t>Map</a:t>
+            </a:r>
+          </a:p>
+          <a:p>
+            <a:r>
+              <a:rPr lang="en-US" dirty="0" smtClean="0">
+                <a:solidFill>
+                  <a:srgbClr val="8FFFCA"/>
+                </a:solidFill>
+                <a:effectLst>
+                  <a:glow rad="139700">
+                    <a:srgbClr val="003300">
+                      <a:alpha val="40000"/>
+                    </a:srgbClr>
+                  </a:glow>
+                  <a:outerShdw blurRad="38100" dist="38100" dir="2700000" algn="tl">
+                    <a:srgbClr val="000000">
+                      <a:alpha val="43137"/>
+                    </a:srgbClr>
+                  </a:outerShdw>
+                </a:effectLst>
+                <a:latin typeface="Corbel" panose="020B0503020204020204" pitchFamily="34" charset="0"/>
+              </a:rPr>
+              <a:t>Movement</a:t>
+            </a:r>
+          </a:p>
+          <a:p>
+            <a:r>
+              <a:rPr lang="en-US" dirty="0" smtClean="0">
+                <a:solidFill>
+                  <a:srgbClr val="8FFFCA"/>
+                </a:solidFill>
+                <a:effectLst>
+                  <a:glow rad="139700">
+                    <a:srgbClr val="003300">
+                      <a:alpha val="40000"/>
+                    </a:srgbClr>
+                  </a:glow>
+                  <a:outerShdw blurRad="38100" dist="38100" dir="2700000" algn="tl">
+                    <a:srgbClr val="000000">
+                      <a:alpha val="43137"/>
+                    </a:srgbClr>
+                  </a:outerShdw>
+                </a:effectLst>
+                <a:latin typeface="Corbel" panose="020B0503020204020204" pitchFamily="34" charset="0"/>
+              </a:rPr>
+              <a:t>Bullet-tracking</a:t>
+            </a:r>
+          </a:p>
+          <a:p>
+            <a:r>
+              <a:rPr lang="en-US" dirty="0" smtClean="0">
+                <a:solidFill>
+                  <a:srgbClr val="8FFFCA"/>
+                </a:solidFill>
+                <a:effectLst>
+                  <a:glow rad="139700">
+                    <a:srgbClr val="003300">
+                      <a:alpha val="40000"/>
+                    </a:srgbClr>
+                  </a:glow>
+                  <a:outerShdw blurRad="38100" dist="38100" dir="2700000" algn="tl">
+                    <a:srgbClr val="000000">
+                      <a:alpha val="43137"/>
+                    </a:srgbClr>
+                  </a:outerShdw>
+                </a:effectLst>
+                <a:latin typeface="Corbel" panose="020B0503020204020204" pitchFamily="34" charset="0"/>
+              </a:rPr>
+              <a:t>Enemy AI</a:t>
+            </a:r>
+          </a:p>
+          <a:p>
+            <a:r>
+              <a:rPr lang="en-US" dirty="0" smtClean="0">
+                <a:solidFill>
+                  <a:srgbClr val="8FFFCA"/>
+                </a:solidFill>
+                <a:effectLst>
+                  <a:glow rad="139700">
+                    <a:srgbClr val="003300">
+                      <a:alpha val="40000"/>
+                    </a:srgbClr>
+                  </a:glow>
+                  <a:outerShdw blurRad="38100" dist="38100" dir="2700000" algn="tl">
+                    <a:srgbClr val="000000">
+                      <a:alpha val="43137"/>
+                    </a:srgbClr>
+                  </a:outerShdw>
+                </a:effectLst>
+                <a:latin typeface="Corbel" panose="020B0503020204020204" pitchFamily="34" charset="0"/>
+              </a:rPr>
+              <a:t>Class switching</a:t>
+            </a:r>
           </a:p>
         </p:txBody>
       </p:sp>
@@ -4119,6 +4759,63 @@
   <p:transition>
     <p:dissolve/>
   </p:transition>
+  <p:timing>
+    <p:tnLst>
+      <p:par>
+        <p:cTn id="1" dur="indefinite" restart="never" nodeType="tmRoot"/>
+      </p:par>
+    </p:tnLst>
+  </p:timing>
+</p:sld>
+</file>
+
+<file path=ppt/slides/slide6.xml><?xml version="1.0" encoding="utf-8"?>
+<p:sld xmlns:a="http://schemas.openxmlformats.org/drawingml/2006/main" xmlns:r="http://schemas.openxmlformats.org/officeDocument/2006/relationships" xmlns:p="http://schemas.openxmlformats.org/presentationml/2006/main">
+  <p:cSld>
+    <p:bg>
+      <p:bgPr>
+        <a:solidFill>
+          <a:schemeClr val="tx1"/>
+        </a:solidFill>
+        <a:effectLst/>
+      </p:bgPr>
+    </p:bg>
+    <p:spTree>
+      <p:nvGrpSpPr>
+        <p:cNvPr id="1" name=""/>
+        <p:cNvGrpSpPr/>
+        <p:nvPr/>
+      </p:nvGrpSpPr>
+      <p:grpSpPr>
+        <a:xfrm>
+          <a:off x="0" y="0"/>
+          <a:ext cx="0" cy="0"/>
+          <a:chOff x="0" y="0"/>
+          <a:chExt cx="0" cy="0"/>
+        </a:xfrm>
+      </p:grpSpPr>
+    </p:spTree>
+    <p:extLst>
+      <p:ext uri="{BB962C8B-B14F-4D97-AF65-F5344CB8AC3E}">
+        <p14:creationId xmlns:p14="http://schemas.microsoft.com/office/powerpoint/2010/main" val="707174180"/>
+      </p:ext>
+    </p:extLst>
+  </p:cSld>
+  <p:clrMapOvr>
+    <a:masterClrMapping/>
+  </p:clrMapOvr>
+  <mc:AlternateContent xmlns:mc="http://schemas.openxmlformats.org/markup-compatibility/2006">
+    <mc:Choice xmlns:p14="http://schemas.microsoft.com/office/powerpoint/2010/main" Requires="p14">
+      <p:transition spd="med" p14:dur="700">
+        <p:fade/>
+      </p:transition>
+    </mc:Choice>
+    <mc:Fallback>
+      <p:transition spd="med">
+        <p:fade/>
+      </p:transition>
+    </mc:Fallback>
+  </mc:AlternateContent>
   <p:timing>
     <p:tnLst>
       <p:par>
